--- a/ppt/03-25.pptx
+++ b/ppt/03-25.pptx
@@ -2989,7 +2989,7 @@
         </p:blipFill>
         <p:spPr>
           <a:xfrm>
-            <a:off x="914754" y="1140629"/>
+            <a:off x="536359" y="1470413"/>
             <a:ext cx="3886742" cy="1533739"/>
           </a:xfrm>
           <a:prstGeom prst="rect">
@@ -2997,6 +2997,106 @@
           </a:prstGeom>
         </p:spPr>
       </p:pic>
+      <p:sp>
+        <p:nvSpPr>
+          <p:cNvPr id="4" name="TextBox 3"/>
+          <p:cNvSpPr txBox="1"/>
+          <p:nvPr/>
+        </p:nvSpPr>
+        <p:spPr>
+          <a:xfrm>
+            <a:off x="607101" y="352269"/>
+            <a:ext cx="1872629" cy="369332"/>
+          </a:xfrm>
+          <a:prstGeom prst="rect">
+            <a:avLst/>
+          </a:prstGeom>
+          <a:noFill/>
+        </p:spPr>
+        <p:txBody>
+          <a:bodyPr wrap="none" rtlCol="0">
+            <a:spAutoFit/>
+          </a:bodyPr>
+          <a:lstStyle/>
+          <a:p>
+            <a:r>
+              <a:rPr lang="en-US" altLang="ko-KR" dirty="0"/>
+              <a:t>UI-SJN-01-001U</a:t>
+            </a:r>
+            <a:endParaRPr lang="ko-KR" altLang="en-US" dirty="0"/>
+          </a:p>
+        </p:txBody>
+      </p:sp>
+      <p:sp>
+        <p:nvSpPr>
+          <p:cNvPr id="5" name="TextBox 4"/>
+          <p:cNvSpPr txBox="1"/>
+          <p:nvPr/>
+        </p:nvSpPr>
+        <p:spPr>
+          <a:xfrm>
+            <a:off x="667061" y="3305970"/>
+            <a:ext cx="7228261" cy="738664"/>
+          </a:xfrm>
+          <a:prstGeom prst="rect">
+            <a:avLst/>
+          </a:prstGeom>
+          <a:noFill/>
+        </p:spPr>
+        <p:txBody>
+          <a:bodyPr wrap="none" rtlCol="0">
+            <a:spAutoFit/>
+          </a:bodyPr>
+          <a:lstStyle/>
+          <a:p>
+            <a:pPr>
+              <a:lnSpc>
+                <a:spcPct val="150000"/>
+              </a:lnSpc>
+            </a:pPr>
+            <a:r>
+              <a:rPr lang="ko-KR" altLang="en-US" sz="1400" dirty="0" smtClean="0"/>
+              <a:t>제 폰에서 위와 같이 나오지 않네요</a:t>
+            </a:r>
+            <a:r>
+              <a:rPr lang="en-US" altLang="ko-KR" sz="1400" dirty="0" smtClean="0"/>
+              <a:t>.</a:t>
+            </a:r>
+          </a:p>
+          <a:p>
+            <a:pPr>
+              <a:lnSpc>
+                <a:spcPct val="150000"/>
+              </a:lnSpc>
+            </a:pPr>
+            <a:r>
+              <a:rPr lang="ko-KR" altLang="en-US" sz="1400" dirty="0" smtClean="0"/>
+              <a:t>우선 </a:t>
+            </a:r>
+            <a:r>
+              <a:rPr lang="ko-KR" altLang="en-US" sz="1400" dirty="0" err="1" smtClean="0"/>
+              <a:t>하단영역에</a:t>
+            </a:r>
+            <a:r>
+              <a:rPr lang="ko-KR" altLang="en-US" sz="1400" dirty="0" smtClean="0"/>
+              <a:t> 더 여유공간을 넣었습니다</a:t>
+            </a:r>
+            <a:r>
+              <a:rPr lang="en-US" altLang="ko-KR" sz="1400" dirty="0" smtClean="0"/>
+              <a:t>. </a:t>
+            </a:r>
+            <a:r>
+              <a:rPr lang="ko-KR" altLang="en-US" sz="1400" dirty="0" smtClean="0"/>
+              <a:t>확인해보고 이상 있으면 다시 수정해야해요</a:t>
+            </a:r>
+            <a:r>
+              <a:rPr lang="en-US" altLang="ko-KR" sz="1400" dirty="0" smtClean="0"/>
+              <a:t>.</a:t>
+            </a:r>
+            <a:endParaRPr lang="ko-KR" altLang="en-US" sz="1400" dirty="0"/>
+          </a:p>
+        </p:txBody>
+      </p:sp>
     </p:spTree>
     <p:extLst>
       <p:ext uri="{BB962C8B-B14F-4D97-AF65-F5344CB8AC3E}">
@@ -3043,7 +3143,7 @@
         </p:blipFill>
         <p:spPr>
           <a:xfrm>
-            <a:off x="1444307" y="1999067"/>
+            <a:off x="1485215" y="821849"/>
             <a:ext cx="3067478" cy="2410161"/>
           </a:xfrm>
           <a:prstGeom prst="rect">
@@ -3067,7 +3167,7 @@
         </p:blipFill>
         <p:spPr>
           <a:xfrm>
-            <a:off x="5570034" y="1950348"/>
+            <a:off x="1543415" y="4137730"/>
             <a:ext cx="3105583" cy="2524477"/>
           </a:xfrm>
           <a:prstGeom prst="rect">
@@ -3075,6 +3175,256 @@
           </a:prstGeom>
         </p:spPr>
       </p:pic>
+      <p:sp>
+        <p:nvSpPr>
+          <p:cNvPr id="5" name="TextBox 4"/>
+          <p:cNvSpPr txBox="1"/>
+          <p:nvPr/>
+        </p:nvSpPr>
+        <p:spPr>
+          <a:xfrm>
+            <a:off x="607101" y="352269"/>
+            <a:ext cx="1872629" cy="369332"/>
+          </a:xfrm>
+          <a:prstGeom prst="rect">
+            <a:avLst/>
+          </a:prstGeom>
+          <a:noFill/>
+        </p:spPr>
+        <p:txBody>
+          <a:bodyPr wrap="none" rtlCol="0">
+            <a:spAutoFit/>
+          </a:bodyPr>
+          <a:lstStyle/>
+          <a:p>
+            <a:r>
+              <a:rPr lang="en-US" altLang="ko-KR" dirty="0"/>
+              <a:t>UI-SJN-03-001U</a:t>
+            </a:r>
+            <a:endParaRPr lang="ko-KR" altLang="en-US" dirty="0"/>
+          </a:p>
+        </p:txBody>
+      </p:sp>
+      <p:pic>
+        <p:nvPicPr>
+          <p:cNvPr id="3" name="그림 2"/>
+          <p:cNvPicPr>
+            <a:picLocks noChangeAspect="1"/>
+          </p:cNvPicPr>
+          <p:nvPr/>
+        </p:nvPicPr>
+        <p:blipFill>
+          <a:blip r:embed="rId4"/>
+          <a:stretch>
+            <a:fillRect/>
+          </a:stretch>
+        </p:blipFill>
+        <p:spPr>
+          <a:xfrm>
+            <a:off x="6020298" y="910527"/>
+            <a:ext cx="2924583" cy="1829055"/>
+          </a:xfrm>
+          <a:prstGeom prst="rect">
+            <a:avLst/>
+          </a:prstGeom>
+        </p:spPr>
+      </p:pic>
+      <p:cxnSp>
+        <p:nvCxnSpPr>
+          <p:cNvPr id="8" name="직선 화살표 연결선 7"/>
+          <p:cNvCxnSpPr/>
+          <p:nvPr/>
+        </p:nvCxnSpPr>
+        <p:spPr>
+          <a:xfrm>
+            <a:off x="4691921" y="1611445"/>
+            <a:ext cx="1139253" cy="0"/>
+          </a:xfrm>
+          <a:prstGeom prst="straightConnector1">
+            <a:avLst/>
+          </a:prstGeom>
+          <a:ln>
+            <a:tailEnd type="triangle"/>
+          </a:ln>
+        </p:spPr>
+        <p:style>
+          <a:lnRef idx="1">
+            <a:schemeClr val="accent1"/>
+          </a:lnRef>
+          <a:fillRef idx="0">
+            <a:schemeClr val="accent1"/>
+          </a:fillRef>
+          <a:effectRef idx="0">
+            <a:schemeClr val="accent1"/>
+          </a:effectRef>
+          <a:fontRef idx="minor">
+            <a:schemeClr val="tx1"/>
+          </a:fontRef>
+        </p:style>
+      </p:cxnSp>
+      <p:sp>
+        <p:nvSpPr>
+          <p:cNvPr id="9" name="TextBox 8"/>
+          <p:cNvSpPr txBox="1"/>
+          <p:nvPr/>
+        </p:nvSpPr>
+        <p:spPr>
+          <a:xfrm>
+            <a:off x="6058073" y="3024261"/>
+            <a:ext cx="2222083" cy="415498"/>
+          </a:xfrm>
+          <a:prstGeom prst="rect">
+            <a:avLst/>
+          </a:prstGeom>
+          <a:noFill/>
+        </p:spPr>
+        <p:txBody>
+          <a:bodyPr wrap="none" rtlCol="0">
+            <a:spAutoFit/>
+          </a:bodyPr>
+          <a:lstStyle/>
+          <a:p>
+            <a:pPr>
+              <a:lnSpc>
+                <a:spcPct val="150000"/>
+              </a:lnSpc>
+            </a:pPr>
+            <a:r>
+              <a:rPr lang="ko-KR" altLang="en-US" sz="1400" dirty="0" smtClean="0"/>
+              <a:t>폰트 크기 줄이고 </a:t>
+            </a:r>
+            <a:r>
+              <a:rPr lang="en-US" altLang="ko-KR" sz="1400" dirty="0" smtClean="0"/>
+              <a:t>br </a:t>
+            </a:r>
+            <a:r>
+              <a:rPr lang="ko-KR" altLang="en-US" sz="1400" dirty="0" smtClean="0"/>
+              <a:t>추가</a:t>
+            </a:r>
+            <a:endParaRPr lang="ko-KR" altLang="en-US" sz="1400" dirty="0"/>
+          </a:p>
+        </p:txBody>
+      </p:sp>
+      <p:cxnSp>
+        <p:nvCxnSpPr>
+          <p:cNvPr id="11" name="직선 화살표 연결선 10"/>
+          <p:cNvCxnSpPr/>
+          <p:nvPr/>
+        </p:nvCxnSpPr>
+        <p:spPr>
+          <a:xfrm flipV="1">
+            <a:off x="7704944" y="2525845"/>
+            <a:ext cx="0" cy="592112"/>
+          </a:xfrm>
+          <a:prstGeom prst="straightConnector1">
+            <a:avLst/>
+          </a:prstGeom>
+          <a:ln>
+            <a:tailEnd type="triangle"/>
+          </a:ln>
+        </p:spPr>
+        <p:style>
+          <a:lnRef idx="1">
+            <a:schemeClr val="accent1"/>
+          </a:lnRef>
+          <a:fillRef idx="0">
+            <a:schemeClr val="accent1"/>
+          </a:fillRef>
+          <a:effectRef idx="0">
+            <a:schemeClr val="accent1"/>
+          </a:effectRef>
+          <a:fontRef idx="minor">
+            <a:schemeClr val="tx1"/>
+          </a:fontRef>
+        </p:style>
+      </p:cxnSp>
+      <p:sp>
+        <p:nvSpPr>
+          <p:cNvPr id="12" name="TextBox 11"/>
+          <p:cNvSpPr txBox="1"/>
+          <p:nvPr/>
+        </p:nvSpPr>
+        <p:spPr>
+          <a:xfrm>
+            <a:off x="607101" y="3500204"/>
+            <a:ext cx="1872629" cy="369332"/>
+          </a:xfrm>
+          <a:prstGeom prst="rect">
+            <a:avLst/>
+          </a:prstGeom>
+          <a:noFill/>
+        </p:spPr>
+        <p:txBody>
+          <a:bodyPr wrap="none" rtlCol="0">
+            <a:spAutoFit/>
+          </a:bodyPr>
+          <a:lstStyle/>
+          <a:p>
+            <a:r>
+              <a:rPr lang="en-US" altLang="ko-KR" dirty="0" smtClean="0"/>
+              <a:t>UI-SJN-03-004U</a:t>
+            </a:r>
+            <a:endParaRPr lang="ko-KR" altLang="en-US" dirty="0"/>
+          </a:p>
+        </p:txBody>
+      </p:sp>
+      <p:pic>
+        <p:nvPicPr>
+          <p:cNvPr id="13" name="그림 12"/>
+          <p:cNvPicPr>
+            <a:picLocks noChangeAspect="1"/>
+          </p:cNvPicPr>
+          <p:nvPr/>
+        </p:nvPicPr>
+        <p:blipFill>
+          <a:blip r:embed="rId5"/>
+          <a:stretch>
+            <a:fillRect/>
+          </a:stretch>
+        </p:blipFill>
+        <p:spPr>
+          <a:xfrm>
+            <a:off x="6058073" y="4051993"/>
+            <a:ext cx="2972215" cy="2610214"/>
+          </a:xfrm>
+          <a:prstGeom prst="rect">
+            <a:avLst/>
+          </a:prstGeom>
+        </p:spPr>
+      </p:pic>
+      <p:cxnSp>
+        <p:nvCxnSpPr>
+          <p:cNvPr id="15" name="직선 화살표 연결선 14"/>
+          <p:cNvCxnSpPr/>
+          <p:nvPr/>
+        </p:nvCxnSpPr>
+        <p:spPr>
+          <a:xfrm>
+            <a:off x="7772400" y="3439759"/>
+            <a:ext cx="839449" cy="1709362"/>
+          </a:xfrm>
+          <a:prstGeom prst="straightConnector1">
+            <a:avLst/>
+          </a:prstGeom>
+          <a:ln>
+            <a:tailEnd type="triangle"/>
+          </a:ln>
+        </p:spPr>
+        <p:style>
+          <a:lnRef idx="1">
+            <a:schemeClr val="accent1"/>
+          </a:lnRef>
+          <a:fillRef idx="0">
+            <a:schemeClr val="accent1"/>
+          </a:fillRef>
+          <a:effectRef idx="0">
+            <a:schemeClr val="accent1"/>
+          </a:effectRef>
+          <a:fontRef idx="minor">
+            <a:schemeClr val="tx1"/>
+          </a:fontRef>
+        </p:style>
+      </p:cxnSp>
     </p:spTree>
     <p:extLst>
       <p:ext uri="{BB962C8B-B14F-4D97-AF65-F5344CB8AC3E}">
@@ -3107,7 +3457,7 @@
       </p:grpSpPr>
       <p:pic>
         <p:nvPicPr>
-          <p:cNvPr id="2" name="그림 1"/>
+          <p:cNvPr id="3" name="그림 2"/>
           <p:cNvPicPr>
             <a:picLocks noChangeAspect="1"/>
           </p:cNvPicPr>
@@ -3121,14 +3471,205 @@
         </p:blipFill>
         <p:spPr>
           <a:xfrm>
-            <a:off x="3618942" y="1509932"/>
-            <a:ext cx="4639322" cy="3553321"/>
+            <a:off x="536573" y="509663"/>
+            <a:ext cx="3315899" cy="2264675"/>
           </a:xfrm>
           <a:prstGeom prst="rect">
             <a:avLst/>
           </a:prstGeom>
         </p:spPr>
       </p:pic>
+      <p:pic>
+        <p:nvPicPr>
+          <p:cNvPr id="9" name="그림 8"/>
+          <p:cNvPicPr>
+            <a:picLocks noChangeAspect="1"/>
+          </p:cNvPicPr>
+          <p:nvPr/>
+        </p:nvPicPr>
+        <p:blipFill>
+          <a:blip r:embed="rId3"/>
+          <a:stretch>
+            <a:fillRect/>
+          </a:stretch>
+        </p:blipFill>
+        <p:spPr>
+          <a:xfrm>
+            <a:off x="4291184" y="810004"/>
+            <a:ext cx="7000407" cy="2685378"/>
+          </a:xfrm>
+          <a:prstGeom prst="rect">
+            <a:avLst/>
+          </a:prstGeom>
+        </p:spPr>
+      </p:pic>
+      <p:cxnSp>
+        <p:nvCxnSpPr>
+          <p:cNvPr id="11" name="직선 화살표 연결선 10"/>
+          <p:cNvCxnSpPr/>
+          <p:nvPr/>
+        </p:nvCxnSpPr>
+        <p:spPr>
+          <a:xfrm flipV="1">
+            <a:off x="10388183" y="1184223"/>
+            <a:ext cx="0" cy="2713219"/>
+          </a:xfrm>
+          <a:prstGeom prst="straightConnector1">
+            <a:avLst/>
+          </a:prstGeom>
+          <a:ln>
+            <a:tailEnd type="triangle"/>
+          </a:ln>
+        </p:spPr>
+        <p:style>
+          <a:lnRef idx="1">
+            <a:schemeClr val="accent1"/>
+          </a:lnRef>
+          <a:fillRef idx="0">
+            <a:schemeClr val="accent1"/>
+          </a:fillRef>
+          <a:effectRef idx="0">
+            <a:schemeClr val="accent1"/>
+          </a:effectRef>
+          <a:fontRef idx="minor">
+            <a:schemeClr val="tx1"/>
+          </a:fontRef>
+        </p:style>
+      </p:cxnSp>
+      <p:sp>
+        <p:nvSpPr>
+          <p:cNvPr id="12" name="TextBox 11"/>
+          <p:cNvSpPr txBox="1"/>
+          <p:nvPr/>
+        </p:nvSpPr>
+        <p:spPr>
+          <a:xfrm>
+            <a:off x="8476938" y="4054368"/>
+            <a:ext cx="3661598" cy="415498"/>
+          </a:xfrm>
+          <a:prstGeom prst="rect">
+            <a:avLst/>
+          </a:prstGeom>
+          <a:noFill/>
+        </p:spPr>
+        <p:txBody>
+          <a:bodyPr wrap="square" rtlCol="0">
+            <a:spAutoFit/>
+          </a:bodyPr>
+          <a:lstStyle/>
+          <a:p>
+            <a:pPr>
+              <a:lnSpc>
+                <a:spcPct val="150000"/>
+              </a:lnSpc>
+            </a:pPr>
+            <a:r>
+              <a:rPr lang="ko-KR" altLang="en-US" sz="1400" dirty="0" smtClean="0"/>
+              <a:t>위치에 </a:t>
+            </a:r>
+            <a:r>
+              <a:rPr lang="en-US" altLang="ko-KR" sz="1400" dirty="0" smtClean="0"/>
+              <a:t>swiperHidden </a:t>
+            </a:r>
+            <a:r>
+              <a:rPr lang="ko-KR" altLang="en-US" sz="1400" dirty="0" smtClean="0"/>
+              <a:t>클래스 추가해주세요</a:t>
+            </a:r>
+            <a:r>
+              <a:rPr lang="en-US" altLang="ko-KR" sz="1400" dirty="0" smtClean="0"/>
+              <a:t>.</a:t>
+            </a:r>
+            <a:endParaRPr lang="ko-KR" altLang="en-US" sz="1400" dirty="0"/>
+          </a:p>
+        </p:txBody>
+      </p:sp>
+      <p:pic>
+        <p:nvPicPr>
+          <p:cNvPr id="13" name="그림 12"/>
+          <p:cNvPicPr>
+            <a:picLocks noChangeAspect="1"/>
+          </p:cNvPicPr>
+          <p:nvPr/>
+        </p:nvPicPr>
+        <p:blipFill>
+          <a:blip r:embed="rId4"/>
+          <a:stretch>
+            <a:fillRect/>
+          </a:stretch>
+        </p:blipFill>
+        <p:spPr>
+          <a:xfrm>
+            <a:off x="1780020" y="5457789"/>
+            <a:ext cx="9831172" cy="514422"/>
+          </a:xfrm>
+          <a:prstGeom prst="rect">
+            <a:avLst/>
+          </a:prstGeom>
+        </p:spPr>
+      </p:pic>
+      <p:cxnSp>
+        <p:nvCxnSpPr>
+          <p:cNvPr id="15" name="직선 화살표 연결선 14"/>
+          <p:cNvCxnSpPr/>
+          <p:nvPr/>
+        </p:nvCxnSpPr>
+        <p:spPr>
+          <a:xfrm>
+            <a:off x="10530590" y="4594485"/>
+            <a:ext cx="0" cy="794479"/>
+          </a:xfrm>
+          <a:prstGeom prst="straightConnector1">
+            <a:avLst/>
+          </a:prstGeom>
+          <a:ln>
+            <a:tailEnd type="triangle"/>
+          </a:ln>
+        </p:spPr>
+        <p:style>
+          <a:lnRef idx="1">
+            <a:schemeClr val="accent1"/>
+          </a:lnRef>
+          <a:fillRef idx="0">
+            <a:schemeClr val="accent1"/>
+          </a:fillRef>
+          <a:effectRef idx="0">
+            <a:schemeClr val="accent1"/>
+          </a:effectRef>
+          <a:fontRef idx="minor">
+            <a:schemeClr val="tx1"/>
+          </a:fontRef>
+        </p:style>
+      </p:cxnSp>
+      <p:sp>
+        <p:nvSpPr>
+          <p:cNvPr id="16" name="TextBox 15"/>
+          <p:cNvSpPr txBox="1"/>
+          <p:nvPr/>
+        </p:nvSpPr>
+        <p:spPr>
+          <a:xfrm>
+            <a:off x="536573" y="140331"/>
+            <a:ext cx="646331" cy="369332"/>
+          </a:xfrm>
+          <a:prstGeom prst="rect">
+            <a:avLst/>
+          </a:prstGeom>
+          <a:noFill/>
+        </p:spPr>
+        <p:txBody>
+          <a:bodyPr wrap="none" rtlCol="0">
+            <a:spAutoFit/>
+          </a:bodyPr>
+          <a:lstStyle/>
+          <a:p>
+            <a:r>
+              <a:rPr lang="ko-KR" altLang="en-US" dirty="0" smtClean="0"/>
+              <a:t>공통</a:t>
+            </a:r>
+            <a:endParaRPr lang="ko-KR" altLang="en-US" dirty="0"/>
+          </a:p>
+        </p:txBody>
+      </p:sp>
     </p:spTree>
     <p:extLst>
       <p:ext uri="{BB962C8B-B14F-4D97-AF65-F5344CB8AC3E}">
@@ -3175,7 +3716,7 @@
         </p:blipFill>
         <p:spPr>
           <a:xfrm>
-            <a:off x="3061688" y="2079750"/>
+            <a:off x="1045511" y="1412688"/>
             <a:ext cx="762106" cy="809738"/>
           </a:xfrm>
           <a:prstGeom prst="rect">
@@ -3185,7 +3726,7 @@
       </p:pic>
       <p:pic>
         <p:nvPicPr>
-          <p:cNvPr id="3" name="그림 2"/>
+          <p:cNvPr id="5" name="그림 4"/>
           <p:cNvPicPr>
             <a:picLocks noChangeAspect="1"/>
           </p:cNvPicPr>
@@ -3199,17 +3740,80 @@
         </p:blipFill>
         <p:spPr>
           <a:xfrm>
-            <a:off x="4079836" y="1676432"/>
-            <a:ext cx="2038635" cy="2905530"/>
+            <a:off x="4222067" y="2734596"/>
+            <a:ext cx="2773343" cy="836650"/>
           </a:xfrm>
           <a:prstGeom prst="rect">
             <a:avLst/>
           </a:prstGeom>
         </p:spPr>
       </p:pic>
+      <p:cxnSp>
+        <p:nvCxnSpPr>
+          <p:cNvPr id="8" name="직선 화살표 연결선 7"/>
+          <p:cNvCxnSpPr/>
+          <p:nvPr/>
+        </p:nvCxnSpPr>
+        <p:spPr>
+          <a:xfrm>
+            <a:off x="2046157" y="1817557"/>
+            <a:ext cx="1281659" cy="0"/>
+          </a:xfrm>
+          <a:prstGeom prst="straightConnector1">
+            <a:avLst/>
+          </a:prstGeom>
+          <a:ln>
+            <a:tailEnd type="triangle"/>
+          </a:ln>
+        </p:spPr>
+        <p:style>
+          <a:lnRef idx="1">
+            <a:schemeClr val="accent1"/>
+          </a:lnRef>
+          <a:fillRef idx="0">
+            <a:schemeClr val="accent1"/>
+          </a:fillRef>
+          <a:effectRef idx="0">
+            <a:schemeClr val="accent1"/>
+          </a:effectRef>
+          <a:fontRef idx="minor">
+            <a:schemeClr val="tx1"/>
+          </a:fontRef>
+        </p:style>
+      </p:cxnSp>
+      <p:sp>
+        <p:nvSpPr>
+          <p:cNvPr id="9" name="TextBox 8"/>
+          <p:cNvSpPr txBox="1"/>
+          <p:nvPr/>
+        </p:nvSpPr>
+        <p:spPr>
+          <a:xfrm>
+            <a:off x="607101" y="352269"/>
+            <a:ext cx="1872629" cy="369332"/>
+          </a:xfrm>
+          <a:prstGeom prst="rect">
+            <a:avLst/>
+          </a:prstGeom>
+          <a:noFill/>
+        </p:spPr>
+        <p:txBody>
+          <a:bodyPr wrap="none" rtlCol="0">
+            <a:spAutoFit/>
+          </a:bodyPr>
+          <a:lstStyle/>
+          <a:p>
+            <a:r>
+              <a:rPr lang="en-US" altLang="ko-KR" dirty="0"/>
+              <a:t>UI-SJN-01-001U</a:t>
+            </a:r>
+            <a:endParaRPr lang="ko-KR" altLang="en-US" dirty="0"/>
+          </a:p>
+        </p:txBody>
+      </p:sp>
       <p:pic>
         <p:nvPicPr>
-          <p:cNvPr id="4" name="그림 3"/>
+          <p:cNvPr id="10" name="그림 9"/>
           <p:cNvPicPr>
             <a:picLocks noChangeAspect="1"/>
           </p:cNvPicPr>
@@ -3223,17 +3827,95 @@
         </p:blipFill>
         <p:spPr>
           <a:xfrm>
-            <a:off x="6551252" y="1913039"/>
-            <a:ext cx="2162477" cy="1143160"/>
+            <a:off x="3954529" y="1384109"/>
+            <a:ext cx="3143689" cy="866896"/>
           </a:xfrm>
           <a:prstGeom prst="rect">
             <a:avLst/>
           </a:prstGeom>
         </p:spPr>
       </p:pic>
+      <p:sp>
+        <p:nvSpPr>
+          <p:cNvPr id="11" name="TextBox 10"/>
+          <p:cNvSpPr txBox="1"/>
+          <p:nvPr/>
+        </p:nvSpPr>
+        <p:spPr>
+          <a:xfrm>
+            <a:off x="7357672" y="2804396"/>
+            <a:ext cx="4364636" cy="1061829"/>
+          </a:xfrm>
+          <a:prstGeom prst="rect">
+            <a:avLst/>
+          </a:prstGeom>
+          <a:noFill/>
+        </p:spPr>
+        <p:txBody>
+          <a:bodyPr wrap="square" rtlCol="0">
+            <a:spAutoFit/>
+          </a:bodyPr>
+          <a:lstStyle/>
+          <a:p>
+            <a:pPr>
+              <a:lnSpc>
+                <a:spcPct val="150000"/>
+              </a:lnSpc>
+            </a:pPr>
+            <a:r>
+              <a:rPr lang="ko-KR" altLang="en-US" sz="1400" dirty="0" smtClean="0"/>
+              <a:t>현재 </a:t>
+            </a:r>
+            <a:r>
+              <a:rPr lang="en-US" altLang="ko-KR" sz="1400" dirty="0" smtClean="0"/>
+              <a:t>4</a:t>
+            </a:r>
+            <a:r>
+              <a:rPr lang="ko-KR" altLang="en-US" sz="1400" dirty="0" smtClean="0"/>
+              <a:t>초 후에 움직이도록 설정되어 있습니다</a:t>
+            </a:r>
+            <a:r>
+              <a:rPr lang="en-US" altLang="ko-KR" sz="1400" dirty="0" smtClean="0"/>
+              <a:t>.</a:t>
+            </a:r>
+          </a:p>
+          <a:p>
+            <a:pPr>
+              <a:lnSpc>
+                <a:spcPct val="150000"/>
+              </a:lnSpc>
+            </a:pPr>
+            <a:endParaRPr lang="en-US" altLang="ko-KR" sz="1400" dirty="0"/>
+          </a:p>
+          <a:p>
+            <a:pPr>
+              <a:lnSpc>
+                <a:spcPct val="150000"/>
+              </a:lnSpc>
+            </a:pPr>
+            <a:r>
+              <a:rPr lang="ko-KR" altLang="en-US" sz="1400" dirty="0" smtClean="0"/>
+              <a:t>속도는 </a:t>
+            </a:r>
+            <a:r>
+              <a:rPr lang="en-US" altLang="ko-KR" sz="1400" dirty="0" smtClean="0"/>
+              <a:t>CSS</a:t>
+            </a:r>
+            <a:r>
+              <a:rPr lang="ko-KR" altLang="en-US" sz="1400" dirty="0" smtClean="0"/>
+              <a:t>에서 조절합니다</a:t>
+            </a:r>
+            <a:r>
+              <a:rPr lang="en-US" altLang="ko-KR" sz="1400" dirty="0" smtClean="0"/>
+              <a:t>.</a:t>
+            </a:r>
+            <a:endParaRPr lang="ko-KR" altLang="en-US" sz="1400" dirty="0"/>
+          </a:p>
+        </p:txBody>
+      </p:sp>
       <p:pic>
         <p:nvPicPr>
-          <p:cNvPr id="5" name="그림 4"/>
+          <p:cNvPr id="12" name="그림 11"/>
           <p:cNvPicPr>
             <a:picLocks noChangeAspect="1"/>
           </p:cNvPicPr>
@@ -3247,14 +3929,49 @@
         </p:blipFill>
         <p:spPr>
           <a:xfrm>
-            <a:off x="3652440" y="4648681"/>
-            <a:ext cx="6820852" cy="2057687"/>
+            <a:off x="8489529" y="1328211"/>
+            <a:ext cx="819264" cy="828791"/>
           </a:xfrm>
           <a:prstGeom prst="rect">
             <a:avLst/>
           </a:prstGeom>
         </p:spPr>
       </p:pic>
+      <p:cxnSp>
+        <p:nvCxnSpPr>
+          <p:cNvPr id="19" name="직선 화살표 연결선 18"/>
+          <p:cNvCxnSpPr>
+            <a:stCxn id="10" idx="3"/>
+          </p:cNvCxnSpPr>
+          <p:nvPr/>
+        </p:nvCxnSpPr>
+        <p:spPr>
+          <a:xfrm>
+            <a:off x="7098218" y="1817557"/>
+            <a:ext cx="1131382" cy="0"/>
+          </a:xfrm>
+          <a:prstGeom prst="straightConnector1">
+            <a:avLst/>
+          </a:prstGeom>
+          <a:ln>
+            <a:tailEnd type="triangle"/>
+          </a:ln>
+        </p:spPr>
+        <p:style>
+          <a:lnRef idx="1">
+            <a:schemeClr val="accent1"/>
+          </a:lnRef>
+          <a:fillRef idx="0">
+            <a:schemeClr val="accent1"/>
+          </a:fillRef>
+          <a:effectRef idx="0">
+            <a:schemeClr val="accent1"/>
+          </a:effectRef>
+          <a:fontRef idx="minor">
+            <a:schemeClr val="tx1"/>
+          </a:fontRef>
+        </p:style>
+      </p:cxnSp>
     </p:spTree>
     <p:extLst>
       <p:ext uri="{BB962C8B-B14F-4D97-AF65-F5344CB8AC3E}">
@@ -3301,14 +4018,171 @@
         </p:blipFill>
         <p:spPr>
           <a:xfrm>
-            <a:off x="4128813" y="1552313"/>
-            <a:ext cx="3934374" cy="3753374"/>
+            <a:off x="636593" y="1050143"/>
+            <a:ext cx="2924060" cy="2789539"/>
           </a:xfrm>
           <a:prstGeom prst="rect">
             <a:avLst/>
           </a:prstGeom>
         </p:spPr>
       </p:pic>
+      <p:sp>
+        <p:nvSpPr>
+          <p:cNvPr id="5" name="TextBox 4"/>
+          <p:cNvSpPr txBox="1"/>
+          <p:nvPr/>
+        </p:nvSpPr>
+        <p:spPr>
+          <a:xfrm>
+            <a:off x="607101" y="352269"/>
+            <a:ext cx="1872629" cy="369332"/>
+          </a:xfrm>
+          <a:prstGeom prst="rect">
+            <a:avLst/>
+          </a:prstGeom>
+          <a:noFill/>
+        </p:spPr>
+        <p:txBody>
+          <a:bodyPr wrap="none" rtlCol="0">
+            <a:spAutoFit/>
+          </a:bodyPr>
+          <a:lstStyle/>
+          <a:p>
+            <a:r>
+              <a:rPr lang="en-US" altLang="ko-KR" dirty="0"/>
+              <a:t>UI-SJN-82-002U</a:t>
+            </a:r>
+            <a:endParaRPr lang="ko-KR" altLang="en-US" dirty="0"/>
+          </a:p>
+        </p:txBody>
+      </p:sp>
+      <p:pic>
+        <p:nvPicPr>
+          <p:cNvPr id="6" name="그림 5"/>
+          <p:cNvPicPr>
+            <a:picLocks noChangeAspect="1"/>
+          </p:cNvPicPr>
+          <p:nvPr/>
+        </p:nvPicPr>
+        <p:blipFill>
+          <a:blip r:embed="rId3"/>
+          <a:stretch>
+            <a:fillRect/>
+          </a:stretch>
+        </p:blipFill>
+        <p:spPr>
+          <a:xfrm>
+            <a:off x="3838115" y="1130403"/>
+            <a:ext cx="2800237" cy="1389747"/>
+          </a:xfrm>
+          <a:prstGeom prst="rect">
+            <a:avLst/>
+          </a:prstGeom>
+        </p:spPr>
+      </p:pic>
+      <p:pic>
+        <p:nvPicPr>
+          <p:cNvPr id="7" name="그림 6"/>
+          <p:cNvPicPr>
+            <a:picLocks noChangeAspect="1"/>
+          </p:cNvPicPr>
+          <p:nvPr/>
+        </p:nvPicPr>
+        <p:blipFill>
+          <a:blip r:embed="rId4"/>
+          <a:stretch>
+            <a:fillRect/>
+          </a:stretch>
+        </p:blipFill>
+        <p:spPr>
+          <a:xfrm>
+            <a:off x="3923829" y="2645683"/>
+            <a:ext cx="2714523" cy="3185410"/>
+          </a:xfrm>
+          <a:prstGeom prst="rect">
+            <a:avLst/>
+          </a:prstGeom>
+        </p:spPr>
+      </p:pic>
+      <p:pic>
+        <p:nvPicPr>
+          <p:cNvPr id="8" name="그림 7"/>
+          <p:cNvPicPr>
+            <a:picLocks noChangeAspect="1"/>
+          </p:cNvPicPr>
+          <p:nvPr/>
+        </p:nvPicPr>
+        <p:blipFill>
+          <a:blip r:embed="rId5"/>
+          <a:stretch>
+            <a:fillRect/>
+          </a:stretch>
+        </p:blipFill>
+        <p:spPr>
+          <a:xfrm>
+            <a:off x="7274794" y="279607"/>
+            <a:ext cx="4140216" cy="5445200"/>
+          </a:xfrm>
+          <a:prstGeom prst="rect">
+            <a:avLst/>
+          </a:prstGeom>
+        </p:spPr>
+      </p:pic>
+      <p:sp>
+        <p:nvSpPr>
+          <p:cNvPr id="9" name="TextBox 8"/>
+          <p:cNvSpPr txBox="1"/>
+          <p:nvPr/>
+        </p:nvSpPr>
+        <p:spPr>
+          <a:xfrm>
+            <a:off x="7065363" y="6069053"/>
+            <a:ext cx="4611975" cy="415498"/>
+          </a:xfrm>
+          <a:prstGeom prst="rect">
+            <a:avLst/>
+          </a:prstGeom>
+          <a:noFill/>
+        </p:spPr>
+        <p:txBody>
+          <a:bodyPr wrap="square" rtlCol="0">
+            <a:spAutoFit/>
+          </a:bodyPr>
+          <a:lstStyle/>
+          <a:p>
+            <a:pPr>
+              <a:lnSpc>
+                <a:spcPct val="150000"/>
+              </a:lnSpc>
+            </a:pPr>
+            <a:r>
+              <a:rPr lang="en-US" altLang="ko-KR" sz="1400" dirty="0" smtClean="0"/>
+              <a:t>authList</a:t>
+            </a:r>
+            <a:r>
+              <a:rPr lang="ko-KR" altLang="en-US" sz="1400" dirty="0" smtClean="0"/>
+              <a:t>와 </a:t>
+            </a:r>
+            <a:r>
+              <a:rPr lang="en-US" altLang="ko-KR" sz="1400" dirty="0" smtClean="0"/>
+              <a:t>improvementBody</a:t>
+            </a:r>
+            <a:r>
+              <a:rPr lang="ko-KR" altLang="en-US" sz="1400" dirty="0"/>
+              <a:t> </a:t>
+            </a:r>
+            <a:r>
+              <a:rPr lang="ko-KR" altLang="en-US" sz="1400" dirty="0" smtClean="0"/>
+              <a:t>위치를 옮겨주면 됩니다</a:t>
+            </a:r>
+            <a:r>
+              <a:rPr lang="en-US" altLang="ko-KR" sz="1400" dirty="0" smtClean="0"/>
+              <a:t>.</a:t>
+            </a:r>
+            <a:endParaRPr lang="ko-KR" altLang="en-US" sz="1400" dirty="0"/>
+          </a:p>
+        </p:txBody>
+      </p:sp>
     </p:spTree>
     <p:extLst>
       <p:ext uri="{BB962C8B-B14F-4D97-AF65-F5344CB8AC3E}">
